--- a/Young Scientist software/Labels/BOB Label.pptx
+++ b/Young Scientist software/Labels/BOB Label.pptx
@@ -104,6 +104,11 @@
       </a:defRPr>
     </a:lvl9pPr>
   </p:defaultTextStyle>
+  <p:extLst>
+    <p:ext uri="{EFAFB233-063F-42B5-8137-9DF3F51BA10A}">
+      <p15:sldGuideLst xmlns:p15="http://schemas.microsoft.com/office/powerpoint/2012/main"/>
+    </p:ext>
+  </p:extLst>
 </p:presentation>
 </file>
 
@@ -2980,8 +2985,8 @@
         </p:blipFill>
         <p:spPr>
           <a:xfrm>
-            <a:off x="198134" y="1587321"/>
-            <a:ext cx="6581608" cy="3452959"/>
+            <a:off x="1771996" y="1562365"/>
+            <a:ext cx="8367403" cy="4389854"/>
           </a:xfrm>
           <a:prstGeom prst="rect">
             <a:avLst/>
@@ -3004,7 +3009,7 @@
         </p:blipFill>
         <p:spPr>
           <a:xfrm>
-            <a:off x="15479" y="1520047"/>
+            <a:off x="1545888" y="1854254"/>
             <a:ext cx="1461079" cy="1417706"/>
           </a:xfrm>
           <a:prstGeom prst="rect">
@@ -3028,8 +3033,8 @@
         </p:blipFill>
         <p:spPr>
           <a:xfrm>
-            <a:off x="9281279" y="494712"/>
-            <a:ext cx="1526764" cy="1526764"/>
+            <a:off x="10326407" y="211359"/>
+            <a:ext cx="1308688" cy="1308688"/>
           </a:xfrm>
           <a:prstGeom prst="rect">
             <a:avLst/>
@@ -3059,7 +3064,7 @@
         </p:blipFill>
         <p:spPr bwMode="auto">
           <a:xfrm>
-            <a:off x="836037" y="581085"/>
+            <a:off x="330827" y="747005"/>
             <a:ext cx="1440391" cy="1440391"/>
           </a:xfrm>
           <a:prstGeom prst="rect">
@@ -3086,7 +3091,7 @@
         <p:spPr>
           <a:xfrm>
             <a:off x="3022442" y="232990"/>
-            <a:ext cx="5619049" cy="1015663"/>
+            <a:ext cx="5619049" cy="923330"/>
           </a:xfrm>
           <a:prstGeom prst="rect">
             <a:avLst/>
@@ -3100,10 +3105,10 @@
           <a:lstStyle/>
           <a:p>
             <a:r>
-              <a:rPr lang="en-IE" sz="6000" b="1" dirty="0" smtClean="0"/>
+              <a:rPr lang="en-IE" sz="5400" b="1" dirty="0" smtClean="0"/>
               <a:t>Baby on Board</a:t>
             </a:r>
-            <a:endParaRPr lang="en-US" sz="6000" b="1" dirty="0"/>
+            <a:endParaRPr lang="en-US" sz="5400" b="1" dirty="0"/>
           </a:p>
         </p:txBody>
       </p:sp>
@@ -3123,7 +3128,7 @@
         </p:blipFill>
         <p:spPr>
           <a:xfrm>
-            <a:off x="3022442" y="2526283"/>
+            <a:off x="4728589" y="2147415"/>
             <a:ext cx="1569237" cy="415692"/>
           </a:xfrm>
           <a:prstGeom prst="rect">
@@ -3161,6 +3166,699 @@
           </a:p>
         </p:txBody>
       </p:sp>
+      <p:sp>
+        <p:nvSpPr>
+          <p:cNvPr id="10" name="TextBox 2"/>
+          <p:cNvSpPr txBox="1"/>
+          <p:nvPr/>
+        </p:nvSpPr>
+        <p:spPr>
+          <a:xfrm>
+            <a:off x="15479" y="5805713"/>
+            <a:ext cx="12176521" cy="1052287"/>
+          </a:xfrm>
+          <a:prstGeom prst="rect">
+            <a:avLst/>
+          </a:prstGeom>
+          <a:solidFill>
+            <a:srgbClr val="C80000"/>
+          </a:solidFill>
+          <a:effectLst>
+            <a:softEdge rad="31750"/>
+          </a:effectLst>
+        </p:spPr>
+        <p:txBody>
+          <a:bodyPr wrap="square" lIns="0" tIns="0" rIns="0" bIns="0" rtlCol="0">
+            <a:noAutofit/>
+          </a:bodyPr>
+          <a:lstStyle>
+            <a:defPPr>
+              <a:defRPr lang="en-US"/>
+            </a:defPPr>
+            <a:lvl1pPr marL="0" algn="l" defTabSz="2983139" rtl="0" eaLnBrk="1" latinLnBrk="0" hangingPunct="1">
+              <a:defRPr sz="5900" kern="1200">
+                <a:solidFill>
+                  <a:schemeClr val="tx1"/>
+                </a:solidFill>
+                <a:latin typeface="+mn-lt"/>
+                <a:ea typeface="+mn-ea"/>
+                <a:cs typeface="+mn-cs"/>
+              </a:defRPr>
+            </a:lvl1pPr>
+            <a:lvl2pPr marL="1491569" algn="l" defTabSz="2983139" rtl="0" eaLnBrk="1" latinLnBrk="0" hangingPunct="1">
+              <a:defRPr sz="5900" kern="1200">
+                <a:solidFill>
+                  <a:schemeClr val="tx1"/>
+                </a:solidFill>
+                <a:latin typeface="+mn-lt"/>
+                <a:ea typeface="+mn-ea"/>
+                <a:cs typeface="+mn-cs"/>
+              </a:defRPr>
+            </a:lvl2pPr>
+            <a:lvl3pPr marL="2983139" algn="l" defTabSz="2983139" rtl="0" eaLnBrk="1" latinLnBrk="0" hangingPunct="1">
+              <a:defRPr sz="5900" kern="1200">
+                <a:solidFill>
+                  <a:schemeClr val="tx1"/>
+                </a:solidFill>
+                <a:latin typeface="+mn-lt"/>
+                <a:ea typeface="+mn-ea"/>
+                <a:cs typeface="+mn-cs"/>
+              </a:defRPr>
+            </a:lvl3pPr>
+            <a:lvl4pPr marL="4474708" algn="l" defTabSz="2983139" rtl="0" eaLnBrk="1" latinLnBrk="0" hangingPunct="1">
+              <a:defRPr sz="5900" kern="1200">
+                <a:solidFill>
+                  <a:schemeClr val="tx1"/>
+                </a:solidFill>
+                <a:latin typeface="+mn-lt"/>
+                <a:ea typeface="+mn-ea"/>
+                <a:cs typeface="+mn-cs"/>
+              </a:defRPr>
+            </a:lvl4pPr>
+            <a:lvl5pPr marL="5966277" algn="l" defTabSz="2983139" rtl="0" eaLnBrk="1" latinLnBrk="0" hangingPunct="1">
+              <a:defRPr sz="5900" kern="1200">
+                <a:solidFill>
+                  <a:schemeClr val="tx1"/>
+                </a:solidFill>
+                <a:latin typeface="+mn-lt"/>
+                <a:ea typeface="+mn-ea"/>
+                <a:cs typeface="+mn-cs"/>
+              </a:defRPr>
+            </a:lvl5pPr>
+            <a:lvl6pPr marL="7457846" algn="l" defTabSz="2983139" rtl="0" eaLnBrk="1" latinLnBrk="0" hangingPunct="1">
+              <a:defRPr sz="5900" kern="1200">
+                <a:solidFill>
+                  <a:schemeClr val="tx1"/>
+                </a:solidFill>
+                <a:latin typeface="+mn-lt"/>
+                <a:ea typeface="+mn-ea"/>
+                <a:cs typeface="+mn-cs"/>
+              </a:defRPr>
+            </a:lvl6pPr>
+            <a:lvl7pPr marL="8949416" algn="l" defTabSz="2983139" rtl="0" eaLnBrk="1" latinLnBrk="0" hangingPunct="1">
+              <a:defRPr sz="5900" kern="1200">
+                <a:solidFill>
+                  <a:schemeClr val="tx1"/>
+                </a:solidFill>
+                <a:latin typeface="+mn-lt"/>
+                <a:ea typeface="+mn-ea"/>
+                <a:cs typeface="+mn-cs"/>
+              </a:defRPr>
+            </a:lvl7pPr>
+            <a:lvl8pPr marL="10440985" algn="l" defTabSz="2983139" rtl="0" eaLnBrk="1" latinLnBrk="0" hangingPunct="1">
+              <a:defRPr sz="5900" kern="1200">
+                <a:solidFill>
+                  <a:schemeClr val="tx1"/>
+                </a:solidFill>
+                <a:latin typeface="+mn-lt"/>
+                <a:ea typeface="+mn-ea"/>
+                <a:cs typeface="+mn-cs"/>
+              </a:defRPr>
+            </a:lvl8pPr>
+            <a:lvl9pPr marL="11932554" algn="l" defTabSz="2983139" rtl="0" eaLnBrk="1" latinLnBrk="0" hangingPunct="1">
+              <a:defRPr sz="5900" kern="1200">
+                <a:solidFill>
+                  <a:schemeClr val="tx1"/>
+                </a:solidFill>
+                <a:latin typeface="+mn-lt"/>
+                <a:ea typeface="+mn-ea"/>
+                <a:cs typeface="+mn-cs"/>
+              </a:defRPr>
+            </a:lvl9pPr>
+          </a:lstStyle>
+          <a:p>
+            <a:pPr algn="ctr" defTabSz="457200">
+              <a:buClr>
+                <a:srgbClr val="1E4056"/>
+              </a:buClr>
+              <a:buSzPct val="75000"/>
+            </a:pPr>
+            <a:r>
+              <a:rPr lang="en-GB" sz="2400" dirty="0" smtClean="0">
+                <a:solidFill>
+                  <a:schemeClr val="bg1"/>
+                </a:solidFill>
+              </a:rPr>
+              <a:t>Claire </a:t>
+            </a:r>
+            <a:r>
+              <a:rPr lang="en-GB" sz="2400" dirty="0">
+                <a:solidFill>
+                  <a:schemeClr val="bg1"/>
+                </a:solidFill>
+              </a:rPr>
+              <a:t>Cooney &amp; Ellen </a:t>
+            </a:r>
+            <a:r>
+              <a:rPr lang="en-GB" sz="2400" dirty="0" smtClean="0">
+                <a:solidFill>
+                  <a:schemeClr val="bg1"/>
+                </a:solidFill>
+              </a:rPr>
+              <a:t>Murphy</a:t>
+            </a:r>
+            <a:endParaRPr lang="en-GB" sz="2400" dirty="0">
+              <a:solidFill>
+                <a:schemeClr val="bg1"/>
+              </a:solidFill>
+            </a:endParaRPr>
+          </a:p>
+          <a:p>
+            <a:pPr algn="ctr" defTabSz="457200">
+              <a:buClr>
+                <a:srgbClr val="1E4056"/>
+              </a:buClr>
+              <a:buSzPct val="75000"/>
+            </a:pPr>
+            <a:r>
+              <a:rPr lang="en-GB" sz="2000" dirty="0">
+                <a:solidFill>
+                  <a:schemeClr val="bg1"/>
+                </a:solidFill>
+              </a:rPr>
+              <a:t> Laurel Hill Secondary School FCJ, South Circular Road, Limerick</a:t>
+            </a:r>
+          </a:p>
+        </p:txBody>
+      </p:sp>
+      <p:pic>
+        <p:nvPicPr>
+          <p:cNvPr id="13" name="Picture 12" descr="Image result for laurel hill secondary school">
+            <a:hlinkClick r:id="rId7"/>
+          </p:cNvPr>
+          <p:cNvPicPr>
+            <a:picLocks noChangeAspect="1" noChangeArrowheads="1"/>
+          </p:cNvPicPr>
+          <p:nvPr/>
+        </p:nvPicPr>
+        <p:blipFill rotWithShape="1">
+          <a:blip r:embed="rId8">
+            <a:extLst>
+              <a:ext uri="{28A0092B-C50C-407E-A947-70E740481C1C}">
+                <a14:useLocalDpi xmlns:a14="http://schemas.microsoft.com/office/drawing/2010/main" val="0"/>
+              </a:ext>
+            </a:extLst>
+          </a:blip>
+          <a:srcRect r="75582"/>
+          <a:stretch/>
+        </p:blipFill>
+        <p:spPr bwMode="auto">
+          <a:xfrm>
+            <a:off x="80220" y="5867400"/>
+            <a:ext cx="961237" cy="943470"/>
+          </a:xfrm>
+          <a:prstGeom prst="rect">
+            <a:avLst/>
+          </a:prstGeom>
+          <a:solidFill>
+            <a:srgbClr val="FFFFFF">
+              <a:shade val="85000"/>
+            </a:srgbClr>
+          </a:solidFill>
+          <a:ln w="88900" cap="sq">
+            <a:solidFill>
+              <a:srgbClr val="FFFFFF"/>
+            </a:solidFill>
+            <a:miter lim="800000"/>
+          </a:ln>
+          <a:effectLst>
+            <a:outerShdw blurRad="55000" dist="18000" dir="5400000" algn="tl" rotWithShape="0">
+              <a:srgbClr val="000000">
+                <a:alpha val="40000"/>
+              </a:srgbClr>
+            </a:outerShdw>
+          </a:effectLst>
+          <a:scene3d>
+            <a:camera prst="orthographicFront"/>
+            <a:lightRig rig="twoPt" dir="t">
+              <a:rot lat="0" lon="0" rev="7200000"/>
+            </a:lightRig>
+          </a:scene3d>
+          <a:sp3d>
+            <a:bevelT w="25400" h="19050"/>
+            <a:contourClr>
+              <a:srgbClr val="FFFFFF"/>
+            </a:contourClr>
+          </a:sp3d>
+          <a:extLst/>
+        </p:spPr>
+      </p:pic>
+      <p:sp>
+        <p:nvSpPr>
+          <p:cNvPr id="14" name="TextBox 24">
+            <a:extLst>
+              <a:ext uri="{FF2B5EF4-FFF2-40B4-BE49-F238E27FC236}">
+                <a16:creationId xmlns="" xmlns:a16="http://schemas.microsoft.com/office/drawing/2014/main" xmlns:lc="http://schemas.openxmlformats.org/drawingml/2006/lockedCanvas" id="{C5EB917B-3552-4E84-94BA-0C169E06F51F}"/>
+              </a:ext>
+            </a:extLst>
+          </p:cNvPr>
+          <p:cNvSpPr txBox="1"/>
+          <p:nvPr/>
+        </p:nvSpPr>
+        <p:spPr>
+          <a:xfrm>
+            <a:off x="12621779" y="7428341"/>
+            <a:ext cx="2170928" cy="468312"/>
+          </a:xfrm>
+          <a:prstGeom prst="rect">
+            <a:avLst/>
+          </a:prstGeom>
+          <a:noFill/>
+        </p:spPr>
+        <p:txBody>
+          <a:bodyPr wrap="square" lIns="0" tIns="0" rIns="0" bIns="0" rtlCol="0">
+            <a:noAutofit/>
+          </a:bodyPr>
+          <a:lstStyle>
+            <a:defPPr>
+              <a:defRPr lang="en-US"/>
+            </a:defPPr>
+            <a:lvl1pPr marL="0" algn="l" defTabSz="2983139" rtl="0" eaLnBrk="1" latinLnBrk="0" hangingPunct="1">
+              <a:defRPr sz="5900" kern="1200">
+                <a:solidFill>
+                  <a:schemeClr val="tx1"/>
+                </a:solidFill>
+                <a:latin typeface="+mn-lt"/>
+                <a:ea typeface="+mn-ea"/>
+                <a:cs typeface="+mn-cs"/>
+              </a:defRPr>
+            </a:lvl1pPr>
+            <a:lvl2pPr marL="1491569" algn="l" defTabSz="2983139" rtl="0" eaLnBrk="1" latinLnBrk="0" hangingPunct="1">
+              <a:defRPr sz="5900" kern="1200">
+                <a:solidFill>
+                  <a:schemeClr val="tx1"/>
+                </a:solidFill>
+                <a:latin typeface="+mn-lt"/>
+                <a:ea typeface="+mn-ea"/>
+                <a:cs typeface="+mn-cs"/>
+              </a:defRPr>
+            </a:lvl2pPr>
+            <a:lvl3pPr marL="2983139" algn="l" defTabSz="2983139" rtl="0" eaLnBrk="1" latinLnBrk="0" hangingPunct="1">
+              <a:defRPr sz="5900" kern="1200">
+                <a:solidFill>
+                  <a:schemeClr val="tx1"/>
+                </a:solidFill>
+                <a:latin typeface="+mn-lt"/>
+                <a:ea typeface="+mn-ea"/>
+                <a:cs typeface="+mn-cs"/>
+              </a:defRPr>
+            </a:lvl3pPr>
+            <a:lvl4pPr marL="4474708" algn="l" defTabSz="2983139" rtl="0" eaLnBrk="1" latinLnBrk="0" hangingPunct="1">
+              <a:defRPr sz="5900" kern="1200">
+                <a:solidFill>
+                  <a:schemeClr val="tx1"/>
+                </a:solidFill>
+                <a:latin typeface="+mn-lt"/>
+                <a:ea typeface="+mn-ea"/>
+                <a:cs typeface="+mn-cs"/>
+              </a:defRPr>
+            </a:lvl4pPr>
+            <a:lvl5pPr marL="5966277" algn="l" defTabSz="2983139" rtl="0" eaLnBrk="1" latinLnBrk="0" hangingPunct="1">
+              <a:defRPr sz="5900" kern="1200">
+                <a:solidFill>
+                  <a:schemeClr val="tx1"/>
+                </a:solidFill>
+                <a:latin typeface="+mn-lt"/>
+                <a:ea typeface="+mn-ea"/>
+                <a:cs typeface="+mn-cs"/>
+              </a:defRPr>
+            </a:lvl5pPr>
+            <a:lvl6pPr marL="7457846" algn="l" defTabSz="2983139" rtl="0" eaLnBrk="1" latinLnBrk="0" hangingPunct="1">
+              <a:defRPr sz="5900" kern="1200">
+                <a:solidFill>
+                  <a:schemeClr val="tx1"/>
+                </a:solidFill>
+                <a:latin typeface="+mn-lt"/>
+                <a:ea typeface="+mn-ea"/>
+                <a:cs typeface="+mn-cs"/>
+              </a:defRPr>
+            </a:lvl6pPr>
+            <a:lvl7pPr marL="8949416" algn="l" defTabSz="2983139" rtl="0" eaLnBrk="1" latinLnBrk="0" hangingPunct="1">
+              <a:defRPr sz="5900" kern="1200">
+                <a:solidFill>
+                  <a:schemeClr val="tx1"/>
+                </a:solidFill>
+                <a:latin typeface="+mn-lt"/>
+                <a:ea typeface="+mn-ea"/>
+                <a:cs typeface="+mn-cs"/>
+              </a:defRPr>
+            </a:lvl7pPr>
+            <a:lvl8pPr marL="10440985" algn="l" defTabSz="2983139" rtl="0" eaLnBrk="1" latinLnBrk="0" hangingPunct="1">
+              <a:defRPr sz="5900" kern="1200">
+                <a:solidFill>
+                  <a:schemeClr val="tx1"/>
+                </a:solidFill>
+                <a:latin typeface="+mn-lt"/>
+                <a:ea typeface="+mn-ea"/>
+                <a:cs typeface="+mn-cs"/>
+              </a:defRPr>
+            </a:lvl8pPr>
+            <a:lvl9pPr marL="11932554" algn="l" defTabSz="2983139" rtl="0" eaLnBrk="1" latinLnBrk="0" hangingPunct="1">
+              <a:defRPr sz="5900" kern="1200">
+                <a:solidFill>
+                  <a:schemeClr val="tx1"/>
+                </a:solidFill>
+                <a:latin typeface="+mn-lt"/>
+                <a:ea typeface="+mn-ea"/>
+                <a:cs typeface="+mn-cs"/>
+              </a:defRPr>
+            </a:lvl9pPr>
+          </a:lstStyle>
+          <a:p>
+            <a:pPr marL="228600" indent="-228600" defTabSz="457200">
+              <a:spcBef>
+                <a:spcPts val="1000"/>
+              </a:spcBef>
+              <a:buClr>
+                <a:srgbClr val="1E4056"/>
+              </a:buClr>
+              <a:buSzPct val="75000"/>
+              <a:buFont typeface="Lucida Grande"/>
+              <a:buChar char="►"/>
+            </a:pPr>
+            <a:endParaRPr lang="en-IE" sz="2000" dirty="0">
+              <a:solidFill>
+                <a:srgbClr val="000000"/>
+              </a:solidFill>
+            </a:endParaRPr>
+          </a:p>
+        </p:txBody>
+      </p:sp>
+      <p:sp>
+        <p:nvSpPr>
+          <p:cNvPr id="16" name="TextBox 4"/>
+          <p:cNvSpPr txBox="1"/>
+          <p:nvPr/>
+        </p:nvSpPr>
+        <p:spPr>
+          <a:xfrm>
+            <a:off x="3435734" y="6579592"/>
+            <a:ext cx="7908087" cy="278408"/>
+          </a:xfrm>
+          <a:prstGeom prst="rect">
+            <a:avLst/>
+          </a:prstGeom>
+          <a:noFill/>
+        </p:spPr>
+        <p:txBody>
+          <a:bodyPr wrap="square" lIns="0" tIns="0" rIns="0" bIns="0" rtlCol="0">
+            <a:noAutofit/>
+          </a:bodyPr>
+          <a:lstStyle>
+            <a:defPPr>
+              <a:defRPr lang="en-US"/>
+            </a:defPPr>
+            <a:lvl1pPr marL="0" algn="l" defTabSz="2983139" rtl="0" eaLnBrk="1" latinLnBrk="0" hangingPunct="1">
+              <a:defRPr sz="5900" kern="1200">
+                <a:solidFill>
+                  <a:schemeClr val="tx1"/>
+                </a:solidFill>
+                <a:latin typeface="+mn-lt"/>
+                <a:ea typeface="+mn-ea"/>
+                <a:cs typeface="+mn-cs"/>
+              </a:defRPr>
+            </a:lvl1pPr>
+            <a:lvl2pPr marL="1491569" algn="l" defTabSz="2983139" rtl="0" eaLnBrk="1" latinLnBrk="0" hangingPunct="1">
+              <a:defRPr sz="5900" kern="1200">
+                <a:solidFill>
+                  <a:schemeClr val="tx1"/>
+                </a:solidFill>
+                <a:latin typeface="+mn-lt"/>
+                <a:ea typeface="+mn-ea"/>
+                <a:cs typeface="+mn-cs"/>
+              </a:defRPr>
+            </a:lvl2pPr>
+            <a:lvl3pPr marL="2983139" algn="l" defTabSz="2983139" rtl="0" eaLnBrk="1" latinLnBrk="0" hangingPunct="1">
+              <a:defRPr sz="5900" kern="1200">
+                <a:solidFill>
+                  <a:schemeClr val="tx1"/>
+                </a:solidFill>
+                <a:latin typeface="+mn-lt"/>
+                <a:ea typeface="+mn-ea"/>
+                <a:cs typeface="+mn-cs"/>
+              </a:defRPr>
+            </a:lvl3pPr>
+            <a:lvl4pPr marL="4474708" algn="l" defTabSz="2983139" rtl="0" eaLnBrk="1" latinLnBrk="0" hangingPunct="1">
+              <a:defRPr sz="5900" kern="1200">
+                <a:solidFill>
+                  <a:schemeClr val="tx1"/>
+                </a:solidFill>
+                <a:latin typeface="+mn-lt"/>
+                <a:ea typeface="+mn-ea"/>
+                <a:cs typeface="+mn-cs"/>
+              </a:defRPr>
+            </a:lvl4pPr>
+            <a:lvl5pPr marL="5966277" algn="l" defTabSz="2983139" rtl="0" eaLnBrk="1" latinLnBrk="0" hangingPunct="1">
+              <a:defRPr sz="5900" kern="1200">
+                <a:solidFill>
+                  <a:schemeClr val="tx1"/>
+                </a:solidFill>
+                <a:latin typeface="+mn-lt"/>
+                <a:ea typeface="+mn-ea"/>
+                <a:cs typeface="+mn-cs"/>
+              </a:defRPr>
+            </a:lvl5pPr>
+            <a:lvl6pPr marL="7457846" algn="l" defTabSz="2983139" rtl="0" eaLnBrk="1" latinLnBrk="0" hangingPunct="1">
+              <a:defRPr sz="5900" kern="1200">
+                <a:solidFill>
+                  <a:schemeClr val="tx1"/>
+                </a:solidFill>
+                <a:latin typeface="+mn-lt"/>
+                <a:ea typeface="+mn-ea"/>
+                <a:cs typeface="+mn-cs"/>
+              </a:defRPr>
+            </a:lvl6pPr>
+            <a:lvl7pPr marL="8949416" algn="l" defTabSz="2983139" rtl="0" eaLnBrk="1" latinLnBrk="0" hangingPunct="1">
+              <a:defRPr sz="5900" kern="1200">
+                <a:solidFill>
+                  <a:schemeClr val="tx1"/>
+                </a:solidFill>
+                <a:latin typeface="+mn-lt"/>
+                <a:ea typeface="+mn-ea"/>
+                <a:cs typeface="+mn-cs"/>
+              </a:defRPr>
+            </a:lvl7pPr>
+            <a:lvl8pPr marL="10440985" algn="l" defTabSz="2983139" rtl="0" eaLnBrk="1" latinLnBrk="0" hangingPunct="1">
+              <a:defRPr sz="5900" kern="1200">
+                <a:solidFill>
+                  <a:schemeClr val="tx1"/>
+                </a:solidFill>
+                <a:latin typeface="+mn-lt"/>
+                <a:ea typeface="+mn-ea"/>
+                <a:cs typeface="+mn-cs"/>
+              </a:defRPr>
+            </a:lvl8pPr>
+            <a:lvl9pPr marL="11932554" algn="l" defTabSz="2983139" rtl="0" eaLnBrk="1" latinLnBrk="0" hangingPunct="1">
+              <a:defRPr sz="5900" kern="1200">
+                <a:solidFill>
+                  <a:schemeClr val="tx1"/>
+                </a:solidFill>
+                <a:latin typeface="+mn-lt"/>
+                <a:ea typeface="+mn-ea"/>
+                <a:cs typeface="+mn-cs"/>
+              </a:defRPr>
+            </a:lvl9pPr>
+          </a:lstStyle>
+          <a:p>
+            <a:pPr defTabSz="457200">
+              <a:spcBef>
+                <a:spcPts val="1000"/>
+              </a:spcBef>
+              <a:buClr>
+                <a:srgbClr val="1E4056"/>
+              </a:buClr>
+              <a:buSzPct val="75000"/>
+            </a:pPr>
+            <a:r>
+              <a:rPr lang="en-IE" sz="1400" b="1" dirty="0" smtClean="0">
+                <a:solidFill>
+                  <a:schemeClr val="bg1"/>
+                </a:solidFill>
+              </a:rPr>
+              <a:t>References  </a:t>
+            </a:r>
+            <a:r>
+              <a:rPr lang="en-IE" sz="1400" dirty="0" smtClean="0">
+                <a:solidFill>
+                  <a:schemeClr val="bg1"/>
+                </a:solidFill>
+              </a:rPr>
+              <a:t>1</a:t>
+            </a:r>
+            <a:r>
+              <a:rPr lang="en-IE" sz="1400" dirty="0" smtClean="0">
+                <a:solidFill>
+                  <a:schemeClr val="bg1"/>
+                </a:solidFill>
+              </a:rPr>
+              <a:t>: </a:t>
+            </a:r>
+            <a:r>
+              <a:rPr lang="en-IE" sz="1400" dirty="0">
+                <a:solidFill>
+                  <a:srgbClr val="000000"/>
+                </a:solidFill>
+                <a:hlinkClick r:id="rId9"/>
+              </a:rPr>
+              <a:t>https://</a:t>
+            </a:r>
+            <a:r>
+              <a:rPr lang="en-IE" sz="1400" dirty="0" smtClean="0">
+                <a:solidFill>
+                  <a:srgbClr val="000000"/>
+                </a:solidFill>
+                <a:hlinkClick r:id="rId9"/>
+              </a:rPr>
+              <a:t>www.babyalert.info/</a:t>
+            </a:r>
+            <a:r>
+              <a:rPr lang="en-IE" sz="1400" dirty="0">
+                <a:solidFill>
+                  <a:srgbClr val="000000"/>
+                </a:solidFill>
+              </a:rPr>
+              <a:t> </a:t>
+            </a:r>
+            <a:r>
+              <a:rPr lang="en-IE" sz="1400" dirty="0" smtClean="0">
+                <a:solidFill>
+                  <a:srgbClr val="000000"/>
+                </a:solidFill>
+              </a:rPr>
+              <a:t>   </a:t>
+            </a:r>
+            <a:r>
+              <a:rPr lang="en-IE" sz="1400" dirty="0" smtClean="0">
+                <a:solidFill>
+                  <a:schemeClr val="bg1"/>
+                </a:solidFill>
+              </a:rPr>
+              <a:t>2 </a:t>
+            </a:r>
+            <a:r>
+              <a:rPr lang="en-IE" sz="1400" dirty="0" smtClean="0">
+                <a:hlinkClick r:id="rId10"/>
+              </a:rPr>
+              <a:t>http</a:t>
+            </a:r>
+            <a:r>
+              <a:rPr lang="en-IE" sz="1400" dirty="0">
+                <a:hlinkClick r:id="rId10"/>
+              </a:rPr>
+              <a:t>://noheatstroke.org</a:t>
+            </a:r>
+            <a:r>
+              <a:rPr lang="en-IE" sz="1400" dirty="0" smtClean="0">
+                <a:hlinkClick r:id="rId10"/>
+              </a:rPr>
+              <a:t>/</a:t>
+            </a:r>
+            <a:r>
+              <a:rPr lang="en-IE" sz="1400" dirty="0" smtClean="0"/>
+              <a:t>  </a:t>
+            </a:r>
+            <a:r>
+              <a:rPr lang="en-IE" sz="1400" dirty="0" smtClean="0">
+                <a:solidFill>
+                  <a:srgbClr val="000000"/>
+                </a:solidFill>
+              </a:rPr>
+              <a:t>   </a:t>
+            </a:r>
+            <a:endParaRPr lang="en-IE" sz="1400" dirty="0">
+              <a:solidFill>
+                <a:srgbClr val="000000"/>
+              </a:solidFill>
+            </a:endParaRPr>
+          </a:p>
+          <a:p>
+            <a:pPr defTabSz="457200">
+              <a:spcBef>
+                <a:spcPts val="1000"/>
+              </a:spcBef>
+              <a:buClr>
+                <a:srgbClr val="1E4056"/>
+              </a:buClr>
+              <a:buSzPct val="75000"/>
+            </a:pPr>
+            <a:r>
+              <a:rPr lang="en-IE" sz="2000" dirty="0" smtClean="0">
+                <a:solidFill>
+                  <a:srgbClr val="000000"/>
+                </a:solidFill>
+              </a:rPr>
+              <a:t> </a:t>
+            </a:r>
+            <a:endParaRPr lang="en-IE" sz="2000" dirty="0">
+              <a:solidFill>
+                <a:srgbClr val="000000"/>
+              </a:solidFill>
+            </a:endParaRPr>
+          </a:p>
+        </p:txBody>
+      </p:sp>
+      <p:pic>
+        <p:nvPicPr>
+          <p:cNvPr id="17" name="Picture 16" descr="Image result for laurel hill secondary school">
+            <a:hlinkClick r:id="rId7"/>
+          </p:cNvPr>
+          <p:cNvPicPr>
+            <a:picLocks noChangeAspect="1" noChangeArrowheads="1"/>
+          </p:cNvPicPr>
+          <p:nvPr/>
+        </p:nvPicPr>
+        <p:blipFill rotWithShape="1">
+          <a:blip r:embed="rId8">
+            <a:extLst>
+              <a:ext uri="{28A0092B-C50C-407E-A947-70E740481C1C}">
+                <a14:useLocalDpi xmlns:a14="http://schemas.microsoft.com/office/drawing/2010/main" val="0"/>
+              </a:ext>
+            </a:extLst>
+          </a:blip>
+          <a:srcRect r="75582"/>
+          <a:stretch/>
+        </p:blipFill>
+        <p:spPr bwMode="auto">
+          <a:xfrm>
+            <a:off x="11123454" y="5805712"/>
+            <a:ext cx="1023283" cy="1004369"/>
+          </a:xfrm>
+          <a:prstGeom prst="rect">
+            <a:avLst/>
+          </a:prstGeom>
+          <a:solidFill>
+            <a:srgbClr val="FFFFFF">
+              <a:shade val="85000"/>
+            </a:srgbClr>
+          </a:solidFill>
+          <a:ln w="88900" cap="sq">
+            <a:solidFill>
+              <a:srgbClr val="FFFFFF"/>
+            </a:solidFill>
+            <a:miter lim="800000"/>
+          </a:ln>
+          <a:effectLst>
+            <a:outerShdw blurRad="55000" dist="18000" dir="5400000" algn="tl" rotWithShape="0">
+              <a:srgbClr val="000000">
+                <a:alpha val="40000"/>
+              </a:srgbClr>
+            </a:outerShdw>
+          </a:effectLst>
+          <a:scene3d>
+            <a:camera prst="orthographicFront"/>
+            <a:lightRig rig="twoPt" dir="t">
+              <a:rot lat="0" lon="0" rev="7200000"/>
+            </a:lightRig>
+          </a:scene3d>
+          <a:sp3d>
+            <a:bevelT w="25400" h="19050"/>
+            <a:contourClr>
+              <a:srgbClr val="FFFFFF"/>
+            </a:contourClr>
+          </a:sp3d>
+          <a:extLst/>
+        </p:spPr>
+      </p:pic>
     </p:spTree>
     <p:extLst>
       <p:ext uri="{BB962C8B-B14F-4D97-AF65-F5344CB8AC3E}">
